--- a/MasterE Project 설계.pptx
+++ b/MasterE Project 설계.pptx
@@ -107,6 +107,11 @@
       </a:defRPr>
     </a:lvl9pPr>
   </p:defaultTextStyle>
+  <p:extLst>
+    <p:ext uri="{EFAFB233-063F-42B5-8137-9DF3F51BA10A}">
+      <p15:sldGuideLst xmlns:p15="http://schemas.microsoft.com/office/powerpoint/2012/main"/>
+    </p:ext>
+  </p:extLst>
 </p:presentation>
 </file>
 
@@ -3622,7 +3627,7 @@
         </p:blipFill>
         <p:spPr>
           <a:xfrm>
-            <a:off x="1037432" y="1927838"/>
+            <a:off x="925672" y="2608558"/>
             <a:ext cx="2915057" cy="3524742"/>
           </a:xfrm>
         </p:spPr>
@@ -3648,7 +3653,18 @@
           <a:bodyPr/>
           <a:lstStyle/>
           <a:p>
-            <a:endParaRPr lang="ko-KR" altLang="en-US" dirty="0"/>
+            <a:r>
+              <a:rPr lang="ko-KR" altLang="en-US" dirty="0"/>
+              <a:t>기능</a:t>
+            </a:r>
+            <a:r>
+              <a:rPr lang="en-US" altLang="ko-KR" dirty="0"/>
+              <a:t>1. </a:t>
+            </a:r>
+            <a:r>
+              <a:rPr lang="ko-KR" altLang="en-US" dirty="0"/>
+              <a:t>단어를 드래그 한 후 추가하기</a:t>
+            </a:r>
           </a:p>
         </p:txBody>
       </p:sp>
@@ -3666,16 +3682,18 @@
         </p:nvSpPr>
         <p:spPr>
           <a:xfrm>
-            <a:off x="1498862" y="5099901"/>
-            <a:ext cx="2453627" cy="352679"/>
+            <a:off x="1371600" y="5780621"/>
+            <a:ext cx="2469129" cy="352679"/>
           </a:xfrm>
           <a:prstGeom prst="rect">
             <a:avLst/>
           </a:prstGeom>
-          <a:noFill/>
+          <a:solidFill>
+            <a:schemeClr val="bg1"/>
+          </a:solidFill>
           <a:ln w="12700">
             <a:solidFill>
-              <a:schemeClr val="tx1"/>
+              <a:schemeClr val="bg2"/>
             </a:solidFill>
           </a:ln>
           <a:effectLst/>
@@ -3701,25 +3719,40 @@
           <a:lstStyle/>
           <a:p>
             <a:r>
-              <a:rPr lang="ko-KR" altLang="en-US" sz="1100" dirty="0">
+              <a:rPr lang="ko-KR" altLang="en-US" sz="1100" b="1" dirty="0">
                 <a:solidFill>
                   <a:schemeClr val="tx1"/>
                 </a:solidFill>
+                <a:latin typeface="Avenir Next LT Pro Light" panose="020B0304020202020204" pitchFamily="34" charset="0"/>
               </a:rPr>
-              <a:t>  </a:t>
-            </a:r>
-            <a:r>
-              <a:rPr lang="ko-KR" altLang="en-US" sz="900" dirty="0">
+              <a:t>   </a:t>
+            </a:r>
+            <a:r>
+              <a:rPr lang="en-US" altLang="ko-KR" sz="1000" b="1" dirty="0">
                 <a:solidFill>
                   <a:schemeClr val="tx1"/>
                 </a:solidFill>
+                <a:latin typeface="Avenir Next LT Pro Light" panose="020B0304020202020204" pitchFamily="34" charset="0"/>
+                <a:cs typeface="Cavolini" panose="020B0502040204020203" pitchFamily="66" charset="0"/>
+              </a:rPr>
+              <a:t>“Using” </a:t>
+            </a:r>
+            <a:r>
+              <a:rPr lang="ko-KR" altLang="en-US" sz="900" b="1" dirty="0">
+                <a:solidFill>
+                  <a:schemeClr val="tx1"/>
+                </a:solidFill>
+                <a:latin typeface="Avenir Next LT Pro Light" panose="020B0304020202020204" pitchFamily="34" charset="0"/>
+                <a:cs typeface="Cavolini" panose="020B0502040204020203" pitchFamily="66" charset="0"/>
               </a:rPr>
               <a:t>단어 추가하기</a:t>
             </a:r>
-            <a:endParaRPr lang="ko-KR" altLang="en-US" sz="1100" dirty="0">
+            <a:endParaRPr lang="ko-KR" altLang="en-US" sz="1100" b="1" dirty="0">
               <a:solidFill>
                 <a:schemeClr val="tx1"/>
               </a:solidFill>
+              <a:latin typeface="Avenir Next LT Pro Light" panose="020B0304020202020204" pitchFamily="34" charset="0"/>
+              <a:cs typeface="Cavolini" panose="020B0502040204020203" pitchFamily="66" charset="0"/>
             </a:endParaRPr>
           </a:p>
         </p:txBody>
